--- a/ppt 16-9/0634.万古磐石.pptx
+++ b/ppt 16-9/0634.万古磐石.pptx
@@ -5,7 +5,7 @@
     <p:sldMasterId id="2147483648" r:id="rId1"/>
   </p:sldMasterIdLst>
   <p:sldIdLst>
-    <p:sldId id="2430" r:id="rId2"/>
+    <p:sldId id="2431" r:id="rId2"/>
   </p:sldIdLst>
   <p:sldSz cx="12192000" cy="6858000"/>
   <p:notesSz cx="6858000" cy="9144000"/>
@@ -129,7 +129,7 @@
           <p:cNvPr id="2" name="标题 1">
             <a:extLst>
               <a:ext uri="{FF2B5EF4-FFF2-40B4-BE49-F238E27FC236}">
-                <a16:creationId xmlns:a16="http://schemas.microsoft.com/office/drawing/2014/main" id="{EB3A502C-C26C-3045-6BAA-AED90A4E49A6}"/>
+                <a16:creationId xmlns:a16="http://schemas.microsoft.com/office/drawing/2014/main" id="{C9629763-BFF9-4E6B-95C8-3CD08E636948}"/>
               </a:ext>
             </a:extLst>
           </p:cNvPr>
@@ -166,7 +166,7 @@
           <p:cNvPr id="3" name="副标题 2">
             <a:extLst>
               <a:ext uri="{FF2B5EF4-FFF2-40B4-BE49-F238E27FC236}">
-                <a16:creationId xmlns:a16="http://schemas.microsoft.com/office/drawing/2014/main" id="{84C0A1D7-6D3B-E633-B3FE-A2AF4CF6546D}"/>
+                <a16:creationId xmlns:a16="http://schemas.microsoft.com/office/drawing/2014/main" id="{4B45FFFA-9231-7E83-FE2D-0DA02F856D4E}"/>
               </a:ext>
             </a:extLst>
           </p:cNvPr>
@@ -236,7 +236,7 @@
           <p:cNvPr id="4" name="日期占位符 3">
             <a:extLst>
               <a:ext uri="{FF2B5EF4-FFF2-40B4-BE49-F238E27FC236}">
-                <a16:creationId xmlns:a16="http://schemas.microsoft.com/office/drawing/2014/main" id="{BF274024-C126-0E35-FB0E-D472DF741B75}"/>
+                <a16:creationId xmlns:a16="http://schemas.microsoft.com/office/drawing/2014/main" id="{10F377FC-92B7-1AC6-BC75-7DE41C51C7CB}"/>
               </a:ext>
             </a:extLst>
           </p:cNvPr>
@@ -252,7 +252,7 @@
           <a:bodyPr/>
           <a:lstStyle/>
           <a:p>
-            <a:fld id="{51DFBB77-8F52-4361-9ED1-DF8B1DCEF77D}" type="datetimeFigureOut">
+            <a:fld id="{84A4A30B-77E6-47CE-8EFB-DB068236FF52}" type="datetimeFigureOut">
               <a:rPr lang="zh-CN" altLang="en-US" smtClean="0"/>
               <a:t>2024/3/10</a:t>
             </a:fld>
@@ -265,7 +265,7 @@
           <p:cNvPr id="5" name="页脚占位符 4">
             <a:extLst>
               <a:ext uri="{FF2B5EF4-FFF2-40B4-BE49-F238E27FC236}">
-                <a16:creationId xmlns:a16="http://schemas.microsoft.com/office/drawing/2014/main" id="{D3B7CE59-BCFC-9A33-35FE-9BB89BD636AC}"/>
+                <a16:creationId xmlns:a16="http://schemas.microsoft.com/office/drawing/2014/main" id="{54251DDB-2EB0-B8D4-599D-F3BB1B0091A4}"/>
               </a:ext>
             </a:extLst>
           </p:cNvPr>
@@ -290,7 +290,7 @@
           <p:cNvPr id="6" name="灯片编号占位符 5">
             <a:extLst>
               <a:ext uri="{FF2B5EF4-FFF2-40B4-BE49-F238E27FC236}">
-                <a16:creationId xmlns:a16="http://schemas.microsoft.com/office/drawing/2014/main" id="{077593B2-2404-3664-354B-4F4EE0C57D9B}"/>
+                <a16:creationId xmlns:a16="http://schemas.microsoft.com/office/drawing/2014/main" id="{5DFEB969-B05F-42BC-68C4-81EF43C8619D}"/>
               </a:ext>
             </a:extLst>
           </p:cNvPr>
@@ -306,7 +306,7 @@
           <a:bodyPr/>
           <a:lstStyle/>
           <a:p>
-            <a:fld id="{4CC1CD32-2C4F-4942-B393-25059EE5B824}" type="slidenum">
+            <a:fld id="{961655EA-DE26-4EF5-B3DF-D591004E15BC}" type="slidenum">
               <a:rPr lang="zh-CN" altLang="en-US" smtClean="0"/>
               <a:t>‹#›</a:t>
             </a:fld>
@@ -317,7 +317,7 @@
     </p:spTree>
     <p:extLst>
       <p:ext uri="{BB962C8B-B14F-4D97-AF65-F5344CB8AC3E}">
-        <p14:creationId xmlns:p14="http://schemas.microsoft.com/office/powerpoint/2010/main" val="1383393412"/>
+        <p14:creationId xmlns:p14="http://schemas.microsoft.com/office/powerpoint/2010/main" val="1805489805"/>
       </p:ext>
     </p:extLst>
   </p:cSld>
@@ -349,7 +349,7 @@
           <p:cNvPr id="2" name="标题 1">
             <a:extLst>
               <a:ext uri="{FF2B5EF4-FFF2-40B4-BE49-F238E27FC236}">
-                <a16:creationId xmlns:a16="http://schemas.microsoft.com/office/drawing/2014/main" id="{526DD06E-A555-BF6D-96BD-72FE78B934C4}"/>
+                <a16:creationId xmlns:a16="http://schemas.microsoft.com/office/drawing/2014/main" id="{F80402B7-3E7B-B4D0-0083-C97092319872}"/>
               </a:ext>
             </a:extLst>
           </p:cNvPr>
@@ -377,7 +377,7 @@
           <p:cNvPr id="3" name="竖排文字占位符 2">
             <a:extLst>
               <a:ext uri="{FF2B5EF4-FFF2-40B4-BE49-F238E27FC236}">
-                <a16:creationId xmlns:a16="http://schemas.microsoft.com/office/drawing/2014/main" id="{088F7D64-4A0F-A9E3-AB3C-E99EF4E939BB}"/>
+                <a16:creationId xmlns:a16="http://schemas.microsoft.com/office/drawing/2014/main" id="{B91A6FCC-68CD-01C3-ADAF-8454BF64D9A8}"/>
               </a:ext>
             </a:extLst>
           </p:cNvPr>
@@ -434,7 +434,7 @@
           <p:cNvPr id="4" name="日期占位符 3">
             <a:extLst>
               <a:ext uri="{FF2B5EF4-FFF2-40B4-BE49-F238E27FC236}">
-                <a16:creationId xmlns:a16="http://schemas.microsoft.com/office/drawing/2014/main" id="{EFF26B5C-63B4-B4ED-1339-708E4195A7B9}"/>
+                <a16:creationId xmlns:a16="http://schemas.microsoft.com/office/drawing/2014/main" id="{228684BB-40AC-CFB5-B883-E2B87907C5BF}"/>
               </a:ext>
             </a:extLst>
           </p:cNvPr>
@@ -450,7 +450,7 @@
           <a:bodyPr/>
           <a:lstStyle/>
           <a:p>
-            <a:fld id="{51DFBB77-8F52-4361-9ED1-DF8B1DCEF77D}" type="datetimeFigureOut">
+            <a:fld id="{84A4A30B-77E6-47CE-8EFB-DB068236FF52}" type="datetimeFigureOut">
               <a:rPr lang="zh-CN" altLang="en-US" smtClean="0"/>
               <a:t>2024/3/10</a:t>
             </a:fld>
@@ -463,7 +463,7 @@
           <p:cNvPr id="5" name="页脚占位符 4">
             <a:extLst>
               <a:ext uri="{FF2B5EF4-FFF2-40B4-BE49-F238E27FC236}">
-                <a16:creationId xmlns:a16="http://schemas.microsoft.com/office/drawing/2014/main" id="{E57AACB0-446C-D88D-56F6-717BA82A3FF5}"/>
+                <a16:creationId xmlns:a16="http://schemas.microsoft.com/office/drawing/2014/main" id="{5E43062E-0EC4-B0BF-8280-1836F77B30D4}"/>
               </a:ext>
             </a:extLst>
           </p:cNvPr>
@@ -488,7 +488,7 @@
           <p:cNvPr id="6" name="灯片编号占位符 5">
             <a:extLst>
               <a:ext uri="{FF2B5EF4-FFF2-40B4-BE49-F238E27FC236}">
-                <a16:creationId xmlns:a16="http://schemas.microsoft.com/office/drawing/2014/main" id="{ED51B4DB-CF71-D640-2844-3785DAAE95EB}"/>
+                <a16:creationId xmlns:a16="http://schemas.microsoft.com/office/drawing/2014/main" id="{5C82C4BF-7412-1780-872F-B518C4A6EE74}"/>
               </a:ext>
             </a:extLst>
           </p:cNvPr>
@@ -504,7 +504,7 @@
           <a:bodyPr/>
           <a:lstStyle/>
           <a:p>
-            <a:fld id="{4CC1CD32-2C4F-4942-B393-25059EE5B824}" type="slidenum">
+            <a:fld id="{961655EA-DE26-4EF5-B3DF-D591004E15BC}" type="slidenum">
               <a:rPr lang="zh-CN" altLang="en-US" smtClean="0"/>
               <a:t>‹#›</a:t>
             </a:fld>
@@ -515,7 +515,7 @@
     </p:spTree>
     <p:extLst>
       <p:ext uri="{BB962C8B-B14F-4D97-AF65-F5344CB8AC3E}">
-        <p14:creationId xmlns:p14="http://schemas.microsoft.com/office/powerpoint/2010/main" val="151119877"/>
+        <p14:creationId xmlns:p14="http://schemas.microsoft.com/office/powerpoint/2010/main" val="1175762158"/>
       </p:ext>
     </p:extLst>
   </p:cSld>
@@ -547,7 +547,7 @@
           <p:cNvPr id="2" name="竖排标题 1">
             <a:extLst>
               <a:ext uri="{FF2B5EF4-FFF2-40B4-BE49-F238E27FC236}">
-                <a16:creationId xmlns:a16="http://schemas.microsoft.com/office/drawing/2014/main" id="{5D276834-00EE-CD20-6A08-4236C0C3C730}"/>
+                <a16:creationId xmlns:a16="http://schemas.microsoft.com/office/drawing/2014/main" id="{40BFECC8-DBA8-B341-CB29-5483C422950C}"/>
               </a:ext>
             </a:extLst>
           </p:cNvPr>
@@ -580,7 +580,7 @@
           <p:cNvPr id="3" name="竖排文字占位符 2">
             <a:extLst>
               <a:ext uri="{FF2B5EF4-FFF2-40B4-BE49-F238E27FC236}">
-                <a16:creationId xmlns:a16="http://schemas.microsoft.com/office/drawing/2014/main" id="{D0728E9C-D1C8-8EF6-A1E0-73E76EDFB90E}"/>
+                <a16:creationId xmlns:a16="http://schemas.microsoft.com/office/drawing/2014/main" id="{42152958-ED09-6147-133C-F93A30BD2E83}"/>
               </a:ext>
             </a:extLst>
           </p:cNvPr>
@@ -642,7 +642,7 @@
           <p:cNvPr id="4" name="日期占位符 3">
             <a:extLst>
               <a:ext uri="{FF2B5EF4-FFF2-40B4-BE49-F238E27FC236}">
-                <a16:creationId xmlns:a16="http://schemas.microsoft.com/office/drawing/2014/main" id="{9ECDA0ED-8B44-6368-3D5E-76924EF895C5}"/>
+                <a16:creationId xmlns:a16="http://schemas.microsoft.com/office/drawing/2014/main" id="{3D970A96-84CE-E38C-4236-1A9F90315816}"/>
               </a:ext>
             </a:extLst>
           </p:cNvPr>
@@ -658,7 +658,7 @@
           <a:bodyPr/>
           <a:lstStyle/>
           <a:p>
-            <a:fld id="{51DFBB77-8F52-4361-9ED1-DF8B1DCEF77D}" type="datetimeFigureOut">
+            <a:fld id="{84A4A30B-77E6-47CE-8EFB-DB068236FF52}" type="datetimeFigureOut">
               <a:rPr lang="zh-CN" altLang="en-US" smtClean="0"/>
               <a:t>2024/3/10</a:t>
             </a:fld>
@@ -671,7 +671,7 @@
           <p:cNvPr id="5" name="页脚占位符 4">
             <a:extLst>
               <a:ext uri="{FF2B5EF4-FFF2-40B4-BE49-F238E27FC236}">
-                <a16:creationId xmlns:a16="http://schemas.microsoft.com/office/drawing/2014/main" id="{7EC7FAE9-33C4-3C02-B997-FA37E5D0A012}"/>
+                <a16:creationId xmlns:a16="http://schemas.microsoft.com/office/drawing/2014/main" id="{4505EC4E-A32A-9896-DBE3-4714838395D0}"/>
               </a:ext>
             </a:extLst>
           </p:cNvPr>
@@ -696,7 +696,7 @@
           <p:cNvPr id="6" name="灯片编号占位符 5">
             <a:extLst>
               <a:ext uri="{FF2B5EF4-FFF2-40B4-BE49-F238E27FC236}">
-                <a16:creationId xmlns:a16="http://schemas.microsoft.com/office/drawing/2014/main" id="{2B4A2AEA-436C-063F-FEA0-4230F33A8814}"/>
+                <a16:creationId xmlns:a16="http://schemas.microsoft.com/office/drawing/2014/main" id="{49A1693A-C20F-8E5E-4228-1CBCF9696099}"/>
               </a:ext>
             </a:extLst>
           </p:cNvPr>
@@ -712,7 +712,7 @@
           <a:bodyPr/>
           <a:lstStyle/>
           <a:p>
-            <a:fld id="{4CC1CD32-2C4F-4942-B393-25059EE5B824}" type="slidenum">
+            <a:fld id="{961655EA-DE26-4EF5-B3DF-D591004E15BC}" type="slidenum">
               <a:rPr lang="zh-CN" altLang="en-US" smtClean="0"/>
               <a:t>‹#›</a:t>
             </a:fld>
@@ -723,7 +723,7 @@
     </p:spTree>
     <p:extLst>
       <p:ext uri="{BB962C8B-B14F-4D97-AF65-F5344CB8AC3E}">
-        <p14:creationId xmlns:p14="http://schemas.microsoft.com/office/powerpoint/2010/main" val="277039382"/>
+        <p14:creationId xmlns:p14="http://schemas.microsoft.com/office/powerpoint/2010/main" val="2467348265"/>
       </p:ext>
     </p:extLst>
   </p:cSld>
@@ -755,7 +755,7 @@
           <p:cNvPr id="2" name="标题 1">
             <a:extLst>
               <a:ext uri="{FF2B5EF4-FFF2-40B4-BE49-F238E27FC236}">
-                <a16:creationId xmlns:a16="http://schemas.microsoft.com/office/drawing/2014/main" id="{36B66581-AD63-B2BC-73C0-3DB4F49860BC}"/>
+                <a16:creationId xmlns:a16="http://schemas.microsoft.com/office/drawing/2014/main" id="{885D1DAA-640C-D0A1-620A-EBCBDF90C450}"/>
               </a:ext>
             </a:extLst>
           </p:cNvPr>
@@ -783,7 +783,7 @@
           <p:cNvPr id="3" name="内容占位符 2">
             <a:extLst>
               <a:ext uri="{FF2B5EF4-FFF2-40B4-BE49-F238E27FC236}">
-                <a16:creationId xmlns:a16="http://schemas.microsoft.com/office/drawing/2014/main" id="{9D027805-7440-9143-0AE1-71AD0E096967}"/>
+                <a16:creationId xmlns:a16="http://schemas.microsoft.com/office/drawing/2014/main" id="{A27A91BB-8D88-0994-8734-6938B260D4FC}"/>
               </a:ext>
             </a:extLst>
           </p:cNvPr>
@@ -840,7 +840,7 @@
           <p:cNvPr id="4" name="日期占位符 3">
             <a:extLst>
               <a:ext uri="{FF2B5EF4-FFF2-40B4-BE49-F238E27FC236}">
-                <a16:creationId xmlns:a16="http://schemas.microsoft.com/office/drawing/2014/main" id="{28EED792-1C68-DA12-05AA-92BED9C7639C}"/>
+                <a16:creationId xmlns:a16="http://schemas.microsoft.com/office/drawing/2014/main" id="{0CE315EC-E2F4-6B85-F1FE-9D8AD9941B9E}"/>
               </a:ext>
             </a:extLst>
           </p:cNvPr>
@@ -856,7 +856,7 @@
           <a:bodyPr/>
           <a:lstStyle/>
           <a:p>
-            <a:fld id="{51DFBB77-8F52-4361-9ED1-DF8B1DCEF77D}" type="datetimeFigureOut">
+            <a:fld id="{84A4A30B-77E6-47CE-8EFB-DB068236FF52}" type="datetimeFigureOut">
               <a:rPr lang="zh-CN" altLang="en-US" smtClean="0"/>
               <a:t>2024/3/10</a:t>
             </a:fld>
@@ -869,7 +869,7 @@
           <p:cNvPr id="5" name="页脚占位符 4">
             <a:extLst>
               <a:ext uri="{FF2B5EF4-FFF2-40B4-BE49-F238E27FC236}">
-                <a16:creationId xmlns:a16="http://schemas.microsoft.com/office/drawing/2014/main" id="{83D87161-E1B9-400D-C4CD-5CFF425439FF}"/>
+                <a16:creationId xmlns:a16="http://schemas.microsoft.com/office/drawing/2014/main" id="{6914155B-55D6-47C6-DED0-A657073DC8EB}"/>
               </a:ext>
             </a:extLst>
           </p:cNvPr>
@@ -894,7 +894,7 @@
           <p:cNvPr id="6" name="灯片编号占位符 5">
             <a:extLst>
               <a:ext uri="{FF2B5EF4-FFF2-40B4-BE49-F238E27FC236}">
-                <a16:creationId xmlns:a16="http://schemas.microsoft.com/office/drawing/2014/main" id="{DF7748A7-D9F8-D6E6-13EC-39FDE116601A}"/>
+                <a16:creationId xmlns:a16="http://schemas.microsoft.com/office/drawing/2014/main" id="{E371F776-4F24-09C6-3DAB-FCB543D01FD1}"/>
               </a:ext>
             </a:extLst>
           </p:cNvPr>
@@ -910,7 +910,7 @@
           <a:bodyPr/>
           <a:lstStyle/>
           <a:p>
-            <a:fld id="{4CC1CD32-2C4F-4942-B393-25059EE5B824}" type="slidenum">
+            <a:fld id="{961655EA-DE26-4EF5-B3DF-D591004E15BC}" type="slidenum">
               <a:rPr lang="zh-CN" altLang="en-US" smtClean="0"/>
               <a:t>‹#›</a:t>
             </a:fld>
@@ -921,7 +921,7 @@
     </p:spTree>
     <p:extLst>
       <p:ext uri="{BB962C8B-B14F-4D97-AF65-F5344CB8AC3E}">
-        <p14:creationId xmlns:p14="http://schemas.microsoft.com/office/powerpoint/2010/main" val="3874487747"/>
+        <p14:creationId xmlns:p14="http://schemas.microsoft.com/office/powerpoint/2010/main" val="4096810214"/>
       </p:ext>
     </p:extLst>
   </p:cSld>
@@ -953,7 +953,7 @@
           <p:cNvPr id="2" name="标题 1">
             <a:extLst>
               <a:ext uri="{FF2B5EF4-FFF2-40B4-BE49-F238E27FC236}">
-                <a16:creationId xmlns:a16="http://schemas.microsoft.com/office/drawing/2014/main" id="{707A6309-6A1A-EA80-9110-CFADF5653E17}"/>
+                <a16:creationId xmlns:a16="http://schemas.microsoft.com/office/drawing/2014/main" id="{11FFF293-8D08-7FBB-3AAE-386657E2BC14}"/>
               </a:ext>
             </a:extLst>
           </p:cNvPr>
@@ -990,7 +990,7 @@
           <p:cNvPr id="3" name="文本占位符 2">
             <a:extLst>
               <a:ext uri="{FF2B5EF4-FFF2-40B4-BE49-F238E27FC236}">
-                <a16:creationId xmlns:a16="http://schemas.microsoft.com/office/drawing/2014/main" id="{41322E79-C6E6-2D04-0670-44F0580ECF90}"/>
+                <a16:creationId xmlns:a16="http://schemas.microsoft.com/office/drawing/2014/main" id="{12721CBC-5A1F-0663-C21F-5E49FBA219C2}"/>
               </a:ext>
             </a:extLst>
           </p:cNvPr>
@@ -1115,7 +1115,7 @@
           <p:cNvPr id="4" name="日期占位符 3">
             <a:extLst>
               <a:ext uri="{FF2B5EF4-FFF2-40B4-BE49-F238E27FC236}">
-                <a16:creationId xmlns:a16="http://schemas.microsoft.com/office/drawing/2014/main" id="{40F76910-80D2-7A81-4CC0-682D3FE54BC3}"/>
+                <a16:creationId xmlns:a16="http://schemas.microsoft.com/office/drawing/2014/main" id="{38EA13B5-42B3-84F1-E668-D665CF71FC29}"/>
               </a:ext>
             </a:extLst>
           </p:cNvPr>
@@ -1131,7 +1131,7 @@
           <a:bodyPr/>
           <a:lstStyle/>
           <a:p>
-            <a:fld id="{51DFBB77-8F52-4361-9ED1-DF8B1DCEF77D}" type="datetimeFigureOut">
+            <a:fld id="{84A4A30B-77E6-47CE-8EFB-DB068236FF52}" type="datetimeFigureOut">
               <a:rPr lang="zh-CN" altLang="en-US" smtClean="0"/>
               <a:t>2024/3/10</a:t>
             </a:fld>
@@ -1144,7 +1144,7 @@
           <p:cNvPr id="5" name="页脚占位符 4">
             <a:extLst>
               <a:ext uri="{FF2B5EF4-FFF2-40B4-BE49-F238E27FC236}">
-                <a16:creationId xmlns:a16="http://schemas.microsoft.com/office/drawing/2014/main" id="{7D288322-B81A-BD5E-9C78-4E4489C3944B}"/>
+                <a16:creationId xmlns:a16="http://schemas.microsoft.com/office/drawing/2014/main" id="{2AFC1291-7797-E3D0-9FA5-7070F86079CC}"/>
               </a:ext>
             </a:extLst>
           </p:cNvPr>
@@ -1169,7 +1169,7 @@
           <p:cNvPr id="6" name="灯片编号占位符 5">
             <a:extLst>
               <a:ext uri="{FF2B5EF4-FFF2-40B4-BE49-F238E27FC236}">
-                <a16:creationId xmlns:a16="http://schemas.microsoft.com/office/drawing/2014/main" id="{017C1719-B3E5-18E6-19C0-31D4AEF8D766}"/>
+                <a16:creationId xmlns:a16="http://schemas.microsoft.com/office/drawing/2014/main" id="{8874DC00-6A62-2452-6E97-ED7E61683663}"/>
               </a:ext>
             </a:extLst>
           </p:cNvPr>
@@ -1185,7 +1185,7 @@
           <a:bodyPr/>
           <a:lstStyle/>
           <a:p>
-            <a:fld id="{4CC1CD32-2C4F-4942-B393-25059EE5B824}" type="slidenum">
+            <a:fld id="{961655EA-DE26-4EF5-B3DF-D591004E15BC}" type="slidenum">
               <a:rPr lang="zh-CN" altLang="en-US" smtClean="0"/>
               <a:t>‹#›</a:t>
             </a:fld>
@@ -1196,7 +1196,7 @@
     </p:spTree>
     <p:extLst>
       <p:ext uri="{BB962C8B-B14F-4D97-AF65-F5344CB8AC3E}">
-        <p14:creationId xmlns:p14="http://schemas.microsoft.com/office/powerpoint/2010/main" val="3274871700"/>
+        <p14:creationId xmlns:p14="http://schemas.microsoft.com/office/powerpoint/2010/main" val="772529757"/>
       </p:ext>
     </p:extLst>
   </p:cSld>
@@ -1228,7 +1228,7 @@
           <p:cNvPr id="2" name="标题 1">
             <a:extLst>
               <a:ext uri="{FF2B5EF4-FFF2-40B4-BE49-F238E27FC236}">
-                <a16:creationId xmlns:a16="http://schemas.microsoft.com/office/drawing/2014/main" id="{D1D27617-6D97-AA45-6329-D6D64D36E929}"/>
+                <a16:creationId xmlns:a16="http://schemas.microsoft.com/office/drawing/2014/main" id="{30B53C3A-12C0-16DE-56F3-6272590B251D}"/>
               </a:ext>
             </a:extLst>
           </p:cNvPr>
@@ -1256,7 +1256,7 @@
           <p:cNvPr id="3" name="内容占位符 2">
             <a:extLst>
               <a:ext uri="{FF2B5EF4-FFF2-40B4-BE49-F238E27FC236}">
-                <a16:creationId xmlns:a16="http://schemas.microsoft.com/office/drawing/2014/main" id="{CE698CA9-EA9C-683D-4D72-3B3BBD5972CF}"/>
+                <a16:creationId xmlns:a16="http://schemas.microsoft.com/office/drawing/2014/main" id="{B7BEAF62-0054-A064-D6A7-4611A23AC97D}"/>
               </a:ext>
             </a:extLst>
           </p:cNvPr>
@@ -1318,7 +1318,7 @@
           <p:cNvPr id="4" name="内容占位符 3">
             <a:extLst>
               <a:ext uri="{FF2B5EF4-FFF2-40B4-BE49-F238E27FC236}">
-                <a16:creationId xmlns:a16="http://schemas.microsoft.com/office/drawing/2014/main" id="{0F3C5A57-3D55-9DD7-4B4D-C75ABA863490}"/>
+                <a16:creationId xmlns:a16="http://schemas.microsoft.com/office/drawing/2014/main" id="{754E5B8C-652D-00E8-5CDB-F95EAE775781}"/>
               </a:ext>
             </a:extLst>
           </p:cNvPr>
@@ -1380,7 +1380,7 @@
           <p:cNvPr id="5" name="日期占位符 4">
             <a:extLst>
               <a:ext uri="{FF2B5EF4-FFF2-40B4-BE49-F238E27FC236}">
-                <a16:creationId xmlns:a16="http://schemas.microsoft.com/office/drawing/2014/main" id="{8F7DDB77-71DD-8B60-8220-3B267D0495CA}"/>
+                <a16:creationId xmlns:a16="http://schemas.microsoft.com/office/drawing/2014/main" id="{B421DD4A-ED42-A491-96B4-D8B14FD207E5}"/>
               </a:ext>
             </a:extLst>
           </p:cNvPr>
@@ -1396,7 +1396,7 @@
           <a:bodyPr/>
           <a:lstStyle/>
           <a:p>
-            <a:fld id="{51DFBB77-8F52-4361-9ED1-DF8B1DCEF77D}" type="datetimeFigureOut">
+            <a:fld id="{84A4A30B-77E6-47CE-8EFB-DB068236FF52}" type="datetimeFigureOut">
               <a:rPr lang="zh-CN" altLang="en-US" smtClean="0"/>
               <a:t>2024/3/10</a:t>
             </a:fld>
@@ -1409,7 +1409,7 @@
           <p:cNvPr id="6" name="页脚占位符 5">
             <a:extLst>
               <a:ext uri="{FF2B5EF4-FFF2-40B4-BE49-F238E27FC236}">
-                <a16:creationId xmlns:a16="http://schemas.microsoft.com/office/drawing/2014/main" id="{C9C747D2-E9F0-5B35-A4AC-8B603B0FB43C}"/>
+                <a16:creationId xmlns:a16="http://schemas.microsoft.com/office/drawing/2014/main" id="{9A634327-E414-B278-E86F-5FCF1338746D}"/>
               </a:ext>
             </a:extLst>
           </p:cNvPr>
@@ -1434,7 +1434,7 @@
           <p:cNvPr id="7" name="灯片编号占位符 6">
             <a:extLst>
               <a:ext uri="{FF2B5EF4-FFF2-40B4-BE49-F238E27FC236}">
-                <a16:creationId xmlns:a16="http://schemas.microsoft.com/office/drawing/2014/main" id="{3C3D2EE3-864C-B2CC-26DB-CD47D4EC706F}"/>
+                <a16:creationId xmlns:a16="http://schemas.microsoft.com/office/drawing/2014/main" id="{1A078842-8935-AC09-ED0A-9EFD66921FB9}"/>
               </a:ext>
             </a:extLst>
           </p:cNvPr>
@@ -1450,7 +1450,7 @@
           <a:bodyPr/>
           <a:lstStyle/>
           <a:p>
-            <a:fld id="{4CC1CD32-2C4F-4942-B393-25059EE5B824}" type="slidenum">
+            <a:fld id="{961655EA-DE26-4EF5-B3DF-D591004E15BC}" type="slidenum">
               <a:rPr lang="zh-CN" altLang="en-US" smtClean="0"/>
               <a:t>‹#›</a:t>
             </a:fld>
@@ -1461,7 +1461,7 @@
     </p:spTree>
     <p:extLst>
       <p:ext uri="{BB962C8B-B14F-4D97-AF65-F5344CB8AC3E}">
-        <p14:creationId xmlns:p14="http://schemas.microsoft.com/office/powerpoint/2010/main" val="56866438"/>
+        <p14:creationId xmlns:p14="http://schemas.microsoft.com/office/powerpoint/2010/main" val="2769568247"/>
       </p:ext>
     </p:extLst>
   </p:cSld>
@@ -1493,7 +1493,7 @@
           <p:cNvPr id="2" name="标题 1">
             <a:extLst>
               <a:ext uri="{FF2B5EF4-FFF2-40B4-BE49-F238E27FC236}">
-                <a16:creationId xmlns:a16="http://schemas.microsoft.com/office/drawing/2014/main" id="{65CC3F35-6131-D02E-9EBB-9AC4484BB7B4}"/>
+                <a16:creationId xmlns:a16="http://schemas.microsoft.com/office/drawing/2014/main" id="{164D6341-D3BB-D2E7-8DD0-3991C9F3BE03}"/>
               </a:ext>
             </a:extLst>
           </p:cNvPr>
@@ -1526,7 +1526,7 @@
           <p:cNvPr id="3" name="文本占位符 2">
             <a:extLst>
               <a:ext uri="{FF2B5EF4-FFF2-40B4-BE49-F238E27FC236}">
-                <a16:creationId xmlns:a16="http://schemas.microsoft.com/office/drawing/2014/main" id="{837DE9D5-8424-8637-C3F4-C019E6B46478}"/>
+                <a16:creationId xmlns:a16="http://schemas.microsoft.com/office/drawing/2014/main" id="{FF30E139-EEF0-A839-0F64-E6DC45A6A501}"/>
               </a:ext>
             </a:extLst>
           </p:cNvPr>
@@ -1597,7 +1597,7 @@
           <p:cNvPr id="4" name="内容占位符 3">
             <a:extLst>
               <a:ext uri="{FF2B5EF4-FFF2-40B4-BE49-F238E27FC236}">
-                <a16:creationId xmlns:a16="http://schemas.microsoft.com/office/drawing/2014/main" id="{D2A79FAA-E79F-C693-8605-BC2B35C22397}"/>
+                <a16:creationId xmlns:a16="http://schemas.microsoft.com/office/drawing/2014/main" id="{9D3958CA-D9D7-D1FE-4BAB-E1EE44AE1C72}"/>
               </a:ext>
             </a:extLst>
           </p:cNvPr>
@@ -1659,7 +1659,7 @@
           <p:cNvPr id="5" name="文本占位符 4">
             <a:extLst>
               <a:ext uri="{FF2B5EF4-FFF2-40B4-BE49-F238E27FC236}">
-                <a16:creationId xmlns:a16="http://schemas.microsoft.com/office/drawing/2014/main" id="{B6EA24AD-7A26-064A-625D-997F76128919}"/>
+                <a16:creationId xmlns:a16="http://schemas.microsoft.com/office/drawing/2014/main" id="{AA56075E-0E9F-FD70-289E-15B9A864D6D0}"/>
               </a:ext>
             </a:extLst>
           </p:cNvPr>
@@ -1730,7 +1730,7 @@
           <p:cNvPr id="6" name="内容占位符 5">
             <a:extLst>
               <a:ext uri="{FF2B5EF4-FFF2-40B4-BE49-F238E27FC236}">
-                <a16:creationId xmlns:a16="http://schemas.microsoft.com/office/drawing/2014/main" id="{1262922F-6F82-1CE0-F8A6-43576A36BC40}"/>
+                <a16:creationId xmlns:a16="http://schemas.microsoft.com/office/drawing/2014/main" id="{FE5A5A57-DC69-4E4F-BC13-A17A80A2DC3D}"/>
               </a:ext>
             </a:extLst>
           </p:cNvPr>
@@ -1792,7 +1792,7 @@
           <p:cNvPr id="7" name="日期占位符 6">
             <a:extLst>
               <a:ext uri="{FF2B5EF4-FFF2-40B4-BE49-F238E27FC236}">
-                <a16:creationId xmlns:a16="http://schemas.microsoft.com/office/drawing/2014/main" id="{506045A7-D120-9D81-1D0D-08D667D21B4A}"/>
+                <a16:creationId xmlns:a16="http://schemas.microsoft.com/office/drawing/2014/main" id="{39AB0A42-D444-537C-A664-D01510C5A79D}"/>
               </a:ext>
             </a:extLst>
           </p:cNvPr>
@@ -1808,7 +1808,7 @@
           <a:bodyPr/>
           <a:lstStyle/>
           <a:p>
-            <a:fld id="{51DFBB77-8F52-4361-9ED1-DF8B1DCEF77D}" type="datetimeFigureOut">
+            <a:fld id="{84A4A30B-77E6-47CE-8EFB-DB068236FF52}" type="datetimeFigureOut">
               <a:rPr lang="zh-CN" altLang="en-US" smtClean="0"/>
               <a:t>2024/3/10</a:t>
             </a:fld>
@@ -1821,7 +1821,7 @@
           <p:cNvPr id="8" name="页脚占位符 7">
             <a:extLst>
               <a:ext uri="{FF2B5EF4-FFF2-40B4-BE49-F238E27FC236}">
-                <a16:creationId xmlns:a16="http://schemas.microsoft.com/office/drawing/2014/main" id="{BF8F65C0-1E7C-F48A-0670-665D210C2F19}"/>
+                <a16:creationId xmlns:a16="http://schemas.microsoft.com/office/drawing/2014/main" id="{9581584D-ECB0-6577-736D-97B86305D13B}"/>
               </a:ext>
             </a:extLst>
           </p:cNvPr>
@@ -1846,7 +1846,7 @@
           <p:cNvPr id="9" name="灯片编号占位符 8">
             <a:extLst>
               <a:ext uri="{FF2B5EF4-FFF2-40B4-BE49-F238E27FC236}">
-                <a16:creationId xmlns:a16="http://schemas.microsoft.com/office/drawing/2014/main" id="{2039C7CD-656B-9CCA-86C7-F1A25284F795}"/>
+                <a16:creationId xmlns:a16="http://schemas.microsoft.com/office/drawing/2014/main" id="{78D354CE-A620-F2B8-F503-00A3A47BC1C7}"/>
               </a:ext>
             </a:extLst>
           </p:cNvPr>
@@ -1862,7 +1862,7 @@
           <a:bodyPr/>
           <a:lstStyle/>
           <a:p>
-            <a:fld id="{4CC1CD32-2C4F-4942-B393-25059EE5B824}" type="slidenum">
+            <a:fld id="{961655EA-DE26-4EF5-B3DF-D591004E15BC}" type="slidenum">
               <a:rPr lang="zh-CN" altLang="en-US" smtClean="0"/>
               <a:t>‹#›</a:t>
             </a:fld>
@@ -1873,7 +1873,7 @@
     </p:spTree>
     <p:extLst>
       <p:ext uri="{BB962C8B-B14F-4D97-AF65-F5344CB8AC3E}">
-        <p14:creationId xmlns:p14="http://schemas.microsoft.com/office/powerpoint/2010/main" val="1361736373"/>
+        <p14:creationId xmlns:p14="http://schemas.microsoft.com/office/powerpoint/2010/main" val="881222114"/>
       </p:ext>
     </p:extLst>
   </p:cSld>
@@ -1905,7 +1905,7 @@
           <p:cNvPr id="2" name="标题 1">
             <a:extLst>
               <a:ext uri="{FF2B5EF4-FFF2-40B4-BE49-F238E27FC236}">
-                <a16:creationId xmlns:a16="http://schemas.microsoft.com/office/drawing/2014/main" id="{35C0E1DA-BC73-375A-3AF4-6D93AF2A5866}"/>
+                <a16:creationId xmlns:a16="http://schemas.microsoft.com/office/drawing/2014/main" id="{76414BE1-8CDD-937E-06CF-C7192CA4F435}"/>
               </a:ext>
             </a:extLst>
           </p:cNvPr>
@@ -1933,7 +1933,7 @@
           <p:cNvPr id="3" name="日期占位符 2">
             <a:extLst>
               <a:ext uri="{FF2B5EF4-FFF2-40B4-BE49-F238E27FC236}">
-                <a16:creationId xmlns:a16="http://schemas.microsoft.com/office/drawing/2014/main" id="{D7339E20-2873-E305-F5BA-FF7EEB841099}"/>
+                <a16:creationId xmlns:a16="http://schemas.microsoft.com/office/drawing/2014/main" id="{277B7518-236E-9EFC-77D5-648B9F7A1723}"/>
               </a:ext>
             </a:extLst>
           </p:cNvPr>
@@ -1949,7 +1949,7 @@
           <a:bodyPr/>
           <a:lstStyle/>
           <a:p>
-            <a:fld id="{51DFBB77-8F52-4361-9ED1-DF8B1DCEF77D}" type="datetimeFigureOut">
+            <a:fld id="{84A4A30B-77E6-47CE-8EFB-DB068236FF52}" type="datetimeFigureOut">
               <a:rPr lang="zh-CN" altLang="en-US" smtClean="0"/>
               <a:t>2024/3/10</a:t>
             </a:fld>
@@ -1962,7 +1962,7 @@
           <p:cNvPr id="4" name="页脚占位符 3">
             <a:extLst>
               <a:ext uri="{FF2B5EF4-FFF2-40B4-BE49-F238E27FC236}">
-                <a16:creationId xmlns:a16="http://schemas.microsoft.com/office/drawing/2014/main" id="{A25368F6-8F26-27E8-8D91-EC5AB0BB5812}"/>
+                <a16:creationId xmlns:a16="http://schemas.microsoft.com/office/drawing/2014/main" id="{9B96CDF0-174C-C993-03EC-0BFB224D456A}"/>
               </a:ext>
             </a:extLst>
           </p:cNvPr>
@@ -1987,7 +1987,7 @@
           <p:cNvPr id="5" name="灯片编号占位符 4">
             <a:extLst>
               <a:ext uri="{FF2B5EF4-FFF2-40B4-BE49-F238E27FC236}">
-                <a16:creationId xmlns:a16="http://schemas.microsoft.com/office/drawing/2014/main" id="{75BF6593-041E-7288-6A41-2695E2B63231}"/>
+                <a16:creationId xmlns:a16="http://schemas.microsoft.com/office/drawing/2014/main" id="{3D9AAB40-7CF6-3343-0787-430F1F57B773}"/>
               </a:ext>
             </a:extLst>
           </p:cNvPr>
@@ -2003,7 +2003,7 @@
           <a:bodyPr/>
           <a:lstStyle/>
           <a:p>
-            <a:fld id="{4CC1CD32-2C4F-4942-B393-25059EE5B824}" type="slidenum">
+            <a:fld id="{961655EA-DE26-4EF5-B3DF-D591004E15BC}" type="slidenum">
               <a:rPr lang="zh-CN" altLang="en-US" smtClean="0"/>
               <a:t>‹#›</a:t>
             </a:fld>
@@ -2014,7 +2014,7 @@
     </p:spTree>
     <p:extLst>
       <p:ext uri="{BB962C8B-B14F-4D97-AF65-F5344CB8AC3E}">
-        <p14:creationId xmlns:p14="http://schemas.microsoft.com/office/powerpoint/2010/main" val="2301682359"/>
+        <p14:creationId xmlns:p14="http://schemas.microsoft.com/office/powerpoint/2010/main" val="145445202"/>
       </p:ext>
     </p:extLst>
   </p:cSld>
@@ -2046,7 +2046,7 @@
           <p:cNvPr id="2" name="日期占位符 1">
             <a:extLst>
               <a:ext uri="{FF2B5EF4-FFF2-40B4-BE49-F238E27FC236}">
-                <a16:creationId xmlns:a16="http://schemas.microsoft.com/office/drawing/2014/main" id="{B529B41C-1299-97B8-8B90-686CC109322F}"/>
+                <a16:creationId xmlns:a16="http://schemas.microsoft.com/office/drawing/2014/main" id="{4DB1E8A5-0895-C353-7330-DC9B6B75C5ED}"/>
               </a:ext>
             </a:extLst>
           </p:cNvPr>
@@ -2062,7 +2062,7 @@
           <a:bodyPr/>
           <a:lstStyle/>
           <a:p>
-            <a:fld id="{51DFBB77-8F52-4361-9ED1-DF8B1DCEF77D}" type="datetimeFigureOut">
+            <a:fld id="{84A4A30B-77E6-47CE-8EFB-DB068236FF52}" type="datetimeFigureOut">
               <a:rPr lang="zh-CN" altLang="en-US" smtClean="0"/>
               <a:t>2024/3/10</a:t>
             </a:fld>
@@ -2075,7 +2075,7 @@
           <p:cNvPr id="3" name="页脚占位符 2">
             <a:extLst>
               <a:ext uri="{FF2B5EF4-FFF2-40B4-BE49-F238E27FC236}">
-                <a16:creationId xmlns:a16="http://schemas.microsoft.com/office/drawing/2014/main" id="{2B24E9C7-5FEB-9A18-61BE-C76AE1F1C509}"/>
+                <a16:creationId xmlns:a16="http://schemas.microsoft.com/office/drawing/2014/main" id="{462D6190-1A67-FB2D-B1E1-328B4B32DE1C}"/>
               </a:ext>
             </a:extLst>
           </p:cNvPr>
@@ -2100,7 +2100,7 @@
           <p:cNvPr id="4" name="灯片编号占位符 3">
             <a:extLst>
               <a:ext uri="{FF2B5EF4-FFF2-40B4-BE49-F238E27FC236}">
-                <a16:creationId xmlns:a16="http://schemas.microsoft.com/office/drawing/2014/main" id="{33D95A97-8056-501B-3D13-0A24D2889BC9}"/>
+                <a16:creationId xmlns:a16="http://schemas.microsoft.com/office/drawing/2014/main" id="{BF21E680-F3F9-FA02-9708-0C2021F02EA7}"/>
               </a:ext>
             </a:extLst>
           </p:cNvPr>
@@ -2116,7 +2116,7 @@
           <a:bodyPr/>
           <a:lstStyle/>
           <a:p>
-            <a:fld id="{4CC1CD32-2C4F-4942-B393-25059EE5B824}" type="slidenum">
+            <a:fld id="{961655EA-DE26-4EF5-B3DF-D591004E15BC}" type="slidenum">
               <a:rPr lang="zh-CN" altLang="en-US" smtClean="0"/>
               <a:t>‹#›</a:t>
             </a:fld>
@@ -2127,7 +2127,7 @@
     </p:spTree>
     <p:extLst>
       <p:ext uri="{BB962C8B-B14F-4D97-AF65-F5344CB8AC3E}">
-        <p14:creationId xmlns:p14="http://schemas.microsoft.com/office/powerpoint/2010/main" val="1921701655"/>
+        <p14:creationId xmlns:p14="http://schemas.microsoft.com/office/powerpoint/2010/main" val="2881561592"/>
       </p:ext>
     </p:extLst>
   </p:cSld>
@@ -2159,7 +2159,7 @@
           <p:cNvPr id="2" name="标题 1">
             <a:extLst>
               <a:ext uri="{FF2B5EF4-FFF2-40B4-BE49-F238E27FC236}">
-                <a16:creationId xmlns:a16="http://schemas.microsoft.com/office/drawing/2014/main" id="{6263B1DA-1062-1E73-7DBD-F90D60D33D12}"/>
+                <a16:creationId xmlns:a16="http://schemas.microsoft.com/office/drawing/2014/main" id="{9C82CBC7-64DF-2640-5D87-41EC5DE9A64B}"/>
               </a:ext>
             </a:extLst>
           </p:cNvPr>
@@ -2196,7 +2196,7 @@
           <p:cNvPr id="3" name="内容占位符 2">
             <a:extLst>
               <a:ext uri="{FF2B5EF4-FFF2-40B4-BE49-F238E27FC236}">
-                <a16:creationId xmlns:a16="http://schemas.microsoft.com/office/drawing/2014/main" id="{14F89B4C-9D95-B6E1-8D2E-825028628855}"/>
+                <a16:creationId xmlns:a16="http://schemas.microsoft.com/office/drawing/2014/main" id="{911299D8-5B7F-D58D-7B56-5CA2B7D0B09B}"/>
               </a:ext>
             </a:extLst>
           </p:cNvPr>
@@ -2286,7 +2286,7 @@
           <p:cNvPr id="4" name="文本占位符 3">
             <a:extLst>
               <a:ext uri="{FF2B5EF4-FFF2-40B4-BE49-F238E27FC236}">
-                <a16:creationId xmlns:a16="http://schemas.microsoft.com/office/drawing/2014/main" id="{5EF45481-0445-C62B-A46E-146998904096}"/>
+                <a16:creationId xmlns:a16="http://schemas.microsoft.com/office/drawing/2014/main" id="{7EA72F2E-1BF5-6CF9-8F7F-E30808084078}"/>
               </a:ext>
             </a:extLst>
           </p:cNvPr>
@@ -2357,7 +2357,7 @@
           <p:cNvPr id="5" name="日期占位符 4">
             <a:extLst>
               <a:ext uri="{FF2B5EF4-FFF2-40B4-BE49-F238E27FC236}">
-                <a16:creationId xmlns:a16="http://schemas.microsoft.com/office/drawing/2014/main" id="{6EC74D13-30DC-53CE-A5D0-F9F854CACBB2}"/>
+                <a16:creationId xmlns:a16="http://schemas.microsoft.com/office/drawing/2014/main" id="{21079F4A-63F8-3041-4E23-8F38BEE77D00}"/>
               </a:ext>
             </a:extLst>
           </p:cNvPr>
@@ -2373,7 +2373,7 @@
           <a:bodyPr/>
           <a:lstStyle/>
           <a:p>
-            <a:fld id="{51DFBB77-8F52-4361-9ED1-DF8B1DCEF77D}" type="datetimeFigureOut">
+            <a:fld id="{84A4A30B-77E6-47CE-8EFB-DB068236FF52}" type="datetimeFigureOut">
               <a:rPr lang="zh-CN" altLang="en-US" smtClean="0"/>
               <a:t>2024/3/10</a:t>
             </a:fld>
@@ -2386,7 +2386,7 @@
           <p:cNvPr id="6" name="页脚占位符 5">
             <a:extLst>
               <a:ext uri="{FF2B5EF4-FFF2-40B4-BE49-F238E27FC236}">
-                <a16:creationId xmlns:a16="http://schemas.microsoft.com/office/drawing/2014/main" id="{01A91825-DF2B-84D8-966C-32A127BBBE41}"/>
+                <a16:creationId xmlns:a16="http://schemas.microsoft.com/office/drawing/2014/main" id="{E517B787-28FD-C6AB-F303-FC9D6D2236B6}"/>
               </a:ext>
             </a:extLst>
           </p:cNvPr>
@@ -2411,7 +2411,7 @@
           <p:cNvPr id="7" name="灯片编号占位符 6">
             <a:extLst>
               <a:ext uri="{FF2B5EF4-FFF2-40B4-BE49-F238E27FC236}">
-                <a16:creationId xmlns:a16="http://schemas.microsoft.com/office/drawing/2014/main" id="{0F902FF6-F37E-F4F2-F742-D1BB00AAA05A}"/>
+                <a16:creationId xmlns:a16="http://schemas.microsoft.com/office/drawing/2014/main" id="{B8D7B346-5E0B-9A03-1F8A-6B5B22CCA336}"/>
               </a:ext>
             </a:extLst>
           </p:cNvPr>
@@ -2427,7 +2427,7 @@
           <a:bodyPr/>
           <a:lstStyle/>
           <a:p>
-            <a:fld id="{4CC1CD32-2C4F-4942-B393-25059EE5B824}" type="slidenum">
+            <a:fld id="{961655EA-DE26-4EF5-B3DF-D591004E15BC}" type="slidenum">
               <a:rPr lang="zh-CN" altLang="en-US" smtClean="0"/>
               <a:t>‹#›</a:t>
             </a:fld>
@@ -2438,7 +2438,7 @@
     </p:spTree>
     <p:extLst>
       <p:ext uri="{BB962C8B-B14F-4D97-AF65-F5344CB8AC3E}">
-        <p14:creationId xmlns:p14="http://schemas.microsoft.com/office/powerpoint/2010/main" val="37592141"/>
+        <p14:creationId xmlns:p14="http://schemas.microsoft.com/office/powerpoint/2010/main" val="2380128945"/>
       </p:ext>
     </p:extLst>
   </p:cSld>
@@ -2470,7 +2470,7 @@
           <p:cNvPr id="2" name="标题 1">
             <a:extLst>
               <a:ext uri="{FF2B5EF4-FFF2-40B4-BE49-F238E27FC236}">
-                <a16:creationId xmlns:a16="http://schemas.microsoft.com/office/drawing/2014/main" id="{73166CDA-B11E-4C8C-1EEB-F7D3DC62FBE7}"/>
+                <a16:creationId xmlns:a16="http://schemas.microsoft.com/office/drawing/2014/main" id="{1C6A99C0-1F9E-AE54-F0E2-9D97A266C07F}"/>
               </a:ext>
             </a:extLst>
           </p:cNvPr>
@@ -2507,7 +2507,7 @@
           <p:cNvPr id="3" name="图片占位符 2">
             <a:extLst>
               <a:ext uri="{FF2B5EF4-FFF2-40B4-BE49-F238E27FC236}">
-                <a16:creationId xmlns:a16="http://schemas.microsoft.com/office/drawing/2014/main" id="{194D15DF-5E31-68E3-376E-05603B02828D}"/>
+                <a16:creationId xmlns:a16="http://schemas.microsoft.com/office/drawing/2014/main" id="{60FBE6FC-3666-F0FB-92C5-F82E1510E5CD}"/>
               </a:ext>
             </a:extLst>
           </p:cNvPr>
@@ -2574,7 +2574,7 @@
           <p:cNvPr id="4" name="文本占位符 3">
             <a:extLst>
               <a:ext uri="{FF2B5EF4-FFF2-40B4-BE49-F238E27FC236}">
-                <a16:creationId xmlns:a16="http://schemas.microsoft.com/office/drawing/2014/main" id="{ADC44D39-743F-5B26-9C64-4E872AB9BF0B}"/>
+                <a16:creationId xmlns:a16="http://schemas.microsoft.com/office/drawing/2014/main" id="{60E15B5C-EA99-2A1F-8CF5-F57EDFE4593D}"/>
               </a:ext>
             </a:extLst>
           </p:cNvPr>
@@ -2645,7 +2645,7 @@
           <p:cNvPr id="5" name="日期占位符 4">
             <a:extLst>
               <a:ext uri="{FF2B5EF4-FFF2-40B4-BE49-F238E27FC236}">
-                <a16:creationId xmlns:a16="http://schemas.microsoft.com/office/drawing/2014/main" id="{1720B2D2-D9A4-3B88-CFF0-EA395228D192}"/>
+                <a16:creationId xmlns:a16="http://schemas.microsoft.com/office/drawing/2014/main" id="{9F1D5C87-314E-48B7-539A-FDE3E03ABF4A}"/>
               </a:ext>
             </a:extLst>
           </p:cNvPr>
@@ -2661,7 +2661,7 @@
           <a:bodyPr/>
           <a:lstStyle/>
           <a:p>
-            <a:fld id="{51DFBB77-8F52-4361-9ED1-DF8B1DCEF77D}" type="datetimeFigureOut">
+            <a:fld id="{84A4A30B-77E6-47CE-8EFB-DB068236FF52}" type="datetimeFigureOut">
               <a:rPr lang="zh-CN" altLang="en-US" smtClean="0"/>
               <a:t>2024/3/10</a:t>
             </a:fld>
@@ -2674,7 +2674,7 @@
           <p:cNvPr id="6" name="页脚占位符 5">
             <a:extLst>
               <a:ext uri="{FF2B5EF4-FFF2-40B4-BE49-F238E27FC236}">
-                <a16:creationId xmlns:a16="http://schemas.microsoft.com/office/drawing/2014/main" id="{1303C527-C9DF-5E2C-A9B5-414EEB2A6E73}"/>
+                <a16:creationId xmlns:a16="http://schemas.microsoft.com/office/drawing/2014/main" id="{33D88092-A6CB-A196-EF9E-37D9B15680DD}"/>
               </a:ext>
             </a:extLst>
           </p:cNvPr>
@@ -2699,7 +2699,7 @@
           <p:cNvPr id="7" name="灯片编号占位符 6">
             <a:extLst>
               <a:ext uri="{FF2B5EF4-FFF2-40B4-BE49-F238E27FC236}">
-                <a16:creationId xmlns:a16="http://schemas.microsoft.com/office/drawing/2014/main" id="{A9024581-8CD9-5C41-56A7-A0A7F7869678}"/>
+                <a16:creationId xmlns:a16="http://schemas.microsoft.com/office/drawing/2014/main" id="{A9433DF6-5297-064B-1EC6-6AF8A45FE8F9}"/>
               </a:ext>
             </a:extLst>
           </p:cNvPr>
@@ -2715,7 +2715,7 @@
           <a:bodyPr/>
           <a:lstStyle/>
           <a:p>
-            <a:fld id="{4CC1CD32-2C4F-4942-B393-25059EE5B824}" type="slidenum">
+            <a:fld id="{961655EA-DE26-4EF5-B3DF-D591004E15BC}" type="slidenum">
               <a:rPr lang="zh-CN" altLang="en-US" smtClean="0"/>
               <a:t>‹#›</a:t>
             </a:fld>
@@ -2726,7 +2726,7 @@
     </p:spTree>
     <p:extLst>
       <p:ext uri="{BB962C8B-B14F-4D97-AF65-F5344CB8AC3E}">
-        <p14:creationId xmlns:p14="http://schemas.microsoft.com/office/powerpoint/2010/main" val="2996398357"/>
+        <p14:creationId xmlns:p14="http://schemas.microsoft.com/office/powerpoint/2010/main" val="3681149738"/>
       </p:ext>
     </p:extLst>
   </p:cSld>
@@ -2763,7 +2763,7 @@
           <p:cNvPr id="2" name="标题占位符 1">
             <a:extLst>
               <a:ext uri="{FF2B5EF4-FFF2-40B4-BE49-F238E27FC236}">
-                <a16:creationId xmlns:a16="http://schemas.microsoft.com/office/drawing/2014/main" id="{AEA465FB-DC8F-7C34-9959-943190A35A3C}"/>
+                <a16:creationId xmlns:a16="http://schemas.microsoft.com/office/drawing/2014/main" id="{14DEE5A2-8349-D1FB-0561-E26D1C1E3759}"/>
               </a:ext>
             </a:extLst>
           </p:cNvPr>
@@ -2801,7 +2801,7 @@
           <p:cNvPr id="3" name="文本占位符 2">
             <a:extLst>
               <a:ext uri="{FF2B5EF4-FFF2-40B4-BE49-F238E27FC236}">
-                <a16:creationId xmlns:a16="http://schemas.microsoft.com/office/drawing/2014/main" id="{5D5338F5-8812-948E-1924-E0DF9A3ABA80}"/>
+                <a16:creationId xmlns:a16="http://schemas.microsoft.com/office/drawing/2014/main" id="{EADCA4DA-C013-C2DB-BDB2-D4053DBBFB52}"/>
               </a:ext>
             </a:extLst>
           </p:cNvPr>
@@ -2868,7 +2868,7 @@
           <p:cNvPr id="4" name="日期占位符 3">
             <a:extLst>
               <a:ext uri="{FF2B5EF4-FFF2-40B4-BE49-F238E27FC236}">
-                <a16:creationId xmlns:a16="http://schemas.microsoft.com/office/drawing/2014/main" id="{3C325528-18D3-A442-E82C-520822DB3EFE}"/>
+                <a16:creationId xmlns:a16="http://schemas.microsoft.com/office/drawing/2014/main" id="{709A2082-31EA-19B6-8249-45B18D77FA89}"/>
               </a:ext>
             </a:extLst>
           </p:cNvPr>
@@ -2902,7 +2902,7 @@
             </a:lvl1pPr>
           </a:lstStyle>
           <a:p>
-            <a:fld id="{51DFBB77-8F52-4361-9ED1-DF8B1DCEF77D}" type="datetimeFigureOut">
+            <a:fld id="{84A4A30B-77E6-47CE-8EFB-DB068236FF52}" type="datetimeFigureOut">
               <a:rPr lang="zh-CN" altLang="en-US" smtClean="0"/>
               <a:t>2024/3/10</a:t>
             </a:fld>
@@ -2915,7 +2915,7 @@
           <p:cNvPr id="5" name="页脚占位符 4">
             <a:extLst>
               <a:ext uri="{FF2B5EF4-FFF2-40B4-BE49-F238E27FC236}">
-                <a16:creationId xmlns:a16="http://schemas.microsoft.com/office/drawing/2014/main" id="{31DACC82-A558-5A9E-5A73-278DC9B7E684}"/>
+                <a16:creationId xmlns:a16="http://schemas.microsoft.com/office/drawing/2014/main" id="{F30AF58E-F836-A516-1924-16344BC5C6C5}"/>
               </a:ext>
             </a:extLst>
           </p:cNvPr>
@@ -2958,7 +2958,7 @@
           <p:cNvPr id="6" name="灯片编号占位符 5">
             <a:extLst>
               <a:ext uri="{FF2B5EF4-FFF2-40B4-BE49-F238E27FC236}">
-                <a16:creationId xmlns:a16="http://schemas.microsoft.com/office/drawing/2014/main" id="{73FAD57A-138E-722F-E6BA-B0D28D181A30}"/>
+                <a16:creationId xmlns:a16="http://schemas.microsoft.com/office/drawing/2014/main" id="{39E9DF5A-A204-B0BB-5E85-98B66E0B2755}"/>
               </a:ext>
             </a:extLst>
           </p:cNvPr>
@@ -2992,7 +2992,7 @@
             </a:lvl1pPr>
           </a:lstStyle>
           <a:p>
-            <a:fld id="{4CC1CD32-2C4F-4942-B393-25059EE5B824}" type="slidenum">
+            <a:fld id="{961655EA-DE26-4EF5-B3DF-D591004E15BC}" type="slidenum">
               <a:rPr lang="zh-CN" altLang="en-US" smtClean="0"/>
               <a:t>‹#›</a:t>
             </a:fld>
@@ -3003,7 +3003,7 @@
     </p:spTree>
     <p:extLst>
       <p:ext uri="{BB962C8B-B14F-4D97-AF65-F5344CB8AC3E}">
-        <p14:creationId xmlns:p14="http://schemas.microsoft.com/office/powerpoint/2010/main" val="2566034003"/>
+        <p14:creationId xmlns:p14="http://schemas.microsoft.com/office/powerpoint/2010/main" val="3107217576"/>
       </p:ext>
     </p:extLst>
   </p:cSld>
@@ -3323,7 +3323,7 @@
       </p:grpSpPr>
       <p:pic>
         <p:nvPicPr>
-          <p:cNvPr id="649218" name="Picture 2" descr="633"/>
+          <p:cNvPr id="650242" name="Picture 2" descr="634"/>
           <p:cNvPicPr>
             <a:picLocks noChangeAspect="1" noChangeArrowheads="1"/>
           </p:cNvPicPr>
